--- a/fig/teaser.pptx
+++ b/fig/teaser.pptx
@@ -6,6 +6,7 @@
   </p:sldMasterIdLst>
   <p:sldIdLst>
     <p:sldId id="270" r:id="rId2"/>
+    <p:sldId id="271" r:id="rId3"/>
   </p:sldIdLst>
   <p:sldSz cx="18000663" cy="6858000"/>
   <p:notesSz cx="6858000" cy="9144000"/>
@@ -104,6 +105,11 @@
       </a:defRPr>
     </a:lvl9pPr>
   </p:defaultTextStyle>
+  <p:extLst>
+    <p:ext uri="{EFAFB233-063F-42B5-8137-9DF3F51BA10A}">
+      <p15:sldGuideLst xmlns:p15="http://schemas.microsoft.com/office/powerpoint/2012/main"/>
+    </p:ext>
+  </p:extLst>
 </p:presentation>
 </file>
 
@@ -238,7 +244,7 @@
           <a:p>
             <a:fld id="{C102BC15-FDA9-47A3-8AB4-FF192BB0319A}" type="datetimeFigureOut">
               <a:rPr lang="en-GB" smtClean="0"/>
-              <a:t>11/07/2025</a:t>
+              <a:t>13/07/2025</a:t>
             </a:fld>
             <a:endParaRPr lang="en-GB"/>
           </a:p>
@@ -408,7 +414,7 @@
           <a:p>
             <a:fld id="{C102BC15-FDA9-47A3-8AB4-FF192BB0319A}" type="datetimeFigureOut">
               <a:rPr lang="en-GB" smtClean="0"/>
-              <a:t>11/07/2025</a:t>
+              <a:t>13/07/2025</a:t>
             </a:fld>
             <a:endParaRPr lang="en-GB"/>
           </a:p>
@@ -588,7 +594,7 @@
           <a:p>
             <a:fld id="{C102BC15-FDA9-47A3-8AB4-FF192BB0319A}" type="datetimeFigureOut">
               <a:rPr lang="en-GB" smtClean="0"/>
-              <a:t>11/07/2025</a:t>
+              <a:t>13/07/2025</a:t>
             </a:fld>
             <a:endParaRPr lang="en-GB"/>
           </a:p>
@@ -758,7 +764,7 @@
           <a:p>
             <a:fld id="{C102BC15-FDA9-47A3-8AB4-FF192BB0319A}" type="datetimeFigureOut">
               <a:rPr lang="en-GB" smtClean="0"/>
-              <a:t>11/07/2025</a:t>
+              <a:t>13/07/2025</a:t>
             </a:fld>
             <a:endParaRPr lang="en-GB"/>
           </a:p>
@@ -1004,7 +1010,7 @@
           <a:p>
             <a:fld id="{C102BC15-FDA9-47A3-8AB4-FF192BB0319A}" type="datetimeFigureOut">
               <a:rPr lang="en-GB" smtClean="0"/>
-              <a:t>11/07/2025</a:t>
+              <a:t>13/07/2025</a:t>
             </a:fld>
             <a:endParaRPr lang="en-GB"/>
           </a:p>
@@ -1236,7 +1242,7 @@
           <a:p>
             <a:fld id="{C102BC15-FDA9-47A3-8AB4-FF192BB0319A}" type="datetimeFigureOut">
               <a:rPr lang="en-GB" smtClean="0"/>
-              <a:t>11/07/2025</a:t>
+              <a:t>13/07/2025</a:t>
             </a:fld>
             <a:endParaRPr lang="en-GB"/>
           </a:p>
@@ -1603,7 +1609,7 @@
           <a:p>
             <a:fld id="{C102BC15-FDA9-47A3-8AB4-FF192BB0319A}" type="datetimeFigureOut">
               <a:rPr lang="en-GB" smtClean="0"/>
-              <a:t>11/07/2025</a:t>
+              <a:t>13/07/2025</a:t>
             </a:fld>
             <a:endParaRPr lang="en-GB"/>
           </a:p>
@@ -1721,7 +1727,7 @@
           <a:p>
             <a:fld id="{C102BC15-FDA9-47A3-8AB4-FF192BB0319A}" type="datetimeFigureOut">
               <a:rPr lang="en-GB" smtClean="0"/>
-              <a:t>11/07/2025</a:t>
+              <a:t>13/07/2025</a:t>
             </a:fld>
             <a:endParaRPr lang="en-GB"/>
           </a:p>
@@ -1816,7 +1822,7 @@
           <a:p>
             <a:fld id="{C102BC15-FDA9-47A3-8AB4-FF192BB0319A}" type="datetimeFigureOut">
               <a:rPr lang="en-GB" smtClean="0"/>
-              <a:t>11/07/2025</a:t>
+              <a:t>13/07/2025</a:t>
             </a:fld>
             <a:endParaRPr lang="en-GB"/>
           </a:p>
@@ -2093,7 +2099,7 @@
           <a:p>
             <a:fld id="{C102BC15-FDA9-47A3-8AB4-FF192BB0319A}" type="datetimeFigureOut">
               <a:rPr lang="en-GB" smtClean="0"/>
-              <a:t>11/07/2025</a:t>
+              <a:t>13/07/2025</a:t>
             </a:fld>
             <a:endParaRPr lang="en-GB"/>
           </a:p>
@@ -2350,7 +2356,7 @@
           <a:p>
             <a:fld id="{C102BC15-FDA9-47A3-8AB4-FF192BB0319A}" type="datetimeFigureOut">
               <a:rPr lang="en-GB" smtClean="0"/>
-              <a:t>11/07/2025</a:t>
+              <a:t>13/07/2025</a:t>
             </a:fld>
             <a:endParaRPr lang="en-GB"/>
           </a:p>
@@ -2563,7 +2569,7 @@
           <a:p>
             <a:fld id="{C102BC15-FDA9-47A3-8AB4-FF192BB0319A}" type="datetimeFigureOut">
               <a:rPr lang="en-GB" smtClean="0"/>
-              <a:t>11/07/2025</a:t>
+              <a:t>13/07/2025</a:t>
             </a:fld>
             <a:endParaRPr lang="en-GB"/>
           </a:p>
@@ -4786,6 +4792,748 @@
 </p:sld>
 </file>
 
+<file path=ppt/slides/slide2.xml><?xml version="1.0" encoding="utf-8"?>
+<p:sld xmlns:a="http://schemas.openxmlformats.org/drawingml/2006/main" xmlns:r="http://schemas.openxmlformats.org/officeDocument/2006/relationships" xmlns:p="http://schemas.openxmlformats.org/presentationml/2006/main">
+  <p:cSld>
+    <p:spTree>
+      <p:nvGrpSpPr>
+        <p:cNvPr id="1" name=""/>
+        <p:cNvGrpSpPr/>
+        <p:nvPr/>
+      </p:nvGrpSpPr>
+      <p:grpSpPr>
+        <a:xfrm>
+          <a:off x="0" y="0"/>
+          <a:ext cx="0" cy="0"/>
+          <a:chOff x="0" y="0"/>
+          <a:chExt cx="0" cy="0"/>
+        </a:xfrm>
+      </p:grpSpPr>
+      <p:pic>
+        <p:nvPicPr>
+          <p:cNvPr id="7" name="Picture 6">
+            <a:extLst>
+              <a:ext uri="{FF2B5EF4-FFF2-40B4-BE49-F238E27FC236}">
+                <a16:creationId xmlns:a16="http://schemas.microsoft.com/office/drawing/2014/main" id="{E8EEAE79-C135-78F8-BA80-968A61A4A0B2}"/>
+              </a:ext>
+            </a:extLst>
+          </p:cNvPr>
+          <p:cNvPicPr>
+            <a:picLocks noChangeAspect="1"/>
+          </p:cNvPicPr>
+          <p:nvPr/>
+        </p:nvPicPr>
+        <p:blipFill>
+          <a:blip r:embed="rId2"/>
+          <a:stretch>
+            <a:fillRect/>
+          </a:stretch>
+        </p:blipFill>
+        <p:spPr>
+          <a:xfrm flipH="1">
+            <a:off x="4620712" y="1774947"/>
+            <a:ext cx="294677" cy="329508"/>
+          </a:xfrm>
+          <a:prstGeom prst="rect">
+            <a:avLst/>
+          </a:prstGeom>
+        </p:spPr>
+      </p:pic>
+      <p:pic>
+        <p:nvPicPr>
+          <p:cNvPr id="10" name="Picture 9">
+            <a:extLst>
+              <a:ext uri="{FF2B5EF4-FFF2-40B4-BE49-F238E27FC236}">
+                <a16:creationId xmlns:a16="http://schemas.microsoft.com/office/drawing/2014/main" id="{140D92A9-917B-5843-85ED-0C9566BCBD4B}"/>
+              </a:ext>
+            </a:extLst>
+          </p:cNvPr>
+          <p:cNvPicPr>
+            <a:picLocks noChangeAspect="1"/>
+          </p:cNvPicPr>
+          <p:nvPr/>
+        </p:nvPicPr>
+        <p:blipFill>
+          <a:blip r:embed="rId3"/>
+          <a:stretch>
+            <a:fillRect/>
+          </a:stretch>
+        </p:blipFill>
+        <p:spPr>
+          <a:xfrm>
+            <a:off x="4620713" y="355748"/>
+            <a:ext cx="288273" cy="303891"/>
+          </a:xfrm>
+          <a:prstGeom prst="rect">
+            <a:avLst/>
+          </a:prstGeom>
+        </p:spPr>
+      </p:pic>
+      <p:pic>
+        <p:nvPicPr>
+          <p:cNvPr id="13" name="Picture 12">
+            <a:extLst>
+              <a:ext uri="{FF2B5EF4-FFF2-40B4-BE49-F238E27FC236}">
+                <a16:creationId xmlns:a16="http://schemas.microsoft.com/office/drawing/2014/main" id="{0ACC39DD-F448-E757-CA5D-D577A6458EC3}"/>
+              </a:ext>
+            </a:extLst>
+          </p:cNvPr>
+          <p:cNvPicPr>
+            <a:picLocks noChangeAspect="1"/>
+          </p:cNvPicPr>
+          <p:nvPr/>
+        </p:nvPicPr>
+        <p:blipFill>
+          <a:blip r:embed="rId4"/>
+          <a:stretch>
+            <a:fillRect/>
+          </a:stretch>
+        </p:blipFill>
+        <p:spPr>
+          <a:xfrm>
+            <a:off x="4620712" y="1305512"/>
+            <a:ext cx="288273" cy="307675"/>
+          </a:xfrm>
+          <a:prstGeom prst="rect">
+            <a:avLst/>
+          </a:prstGeom>
+        </p:spPr>
+      </p:pic>
+      <p:pic>
+        <p:nvPicPr>
+          <p:cNvPr id="16" name="Picture 15">
+            <a:extLst>
+              <a:ext uri="{FF2B5EF4-FFF2-40B4-BE49-F238E27FC236}">
+                <a16:creationId xmlns:a16="http://schemas.microsoft.com/office/drawing/2014/main" id="{36225F94-8C83-5744-C85C-2FD6E3C05EC5}"/>
+              </a:ext>
+            </a:extLst>
+          </p:cNvPr>
+          <p:cNvPicPr>
+            <a:picLocks noChangeAspect="1"/>
+          </p:cNvPicPr>
+          <p:nvPr/>
+        </p:nvPicPr>
+        <p:blipFill>
+          <a:blip r:embed="rId2"/>
+          <a:stretch>
+            <a:fillRect/>
+          </a:stretch>
+        </p:blipFill>
+        <p:spPr>
+          <a:xfrm flipH="1">
+            <a:off x="4620713" y="821399"/>
+            <a:ext cx="288278" cy="322353"/>
+          </a:xfrm>
+          <a:prstGeom prst="rect">
+            <a:avLst/>
+          </a:prstGeom>
+        </p:spPr>
+      </p:pic>
+      <p:sp>
+        <p:nvSpPr>
+          <p:cNvPr id="17" name="Rectangle: Single Corner Snipped 16">
+            <a:extLst>
+              <a:ext uri="{FF2B5EF4-FFF2-40B4-BE49-F238E27FC236}">
+                <a16:creationId xmlns:a16="http://schemas.microsoft.com/office/drawing/2014/main" id="{C01E65ED-7DC3-8B73-1EB9-E7B04E64D16D}"/>
+              </a:ext>
+            </a:extLst>
+          </p:cNvPr>
+          <p:cNvSpPr/>
+          <p:nvPr/>
+        </p:nvSpPr>
+        <p:spPr>
+          <a:xfrm>
+            <a:off x="5610600" y="334598"/>
+            <a:ext cx="659723" cy="1023632"/>
+          </a:xfrm>
+          <a:prstGeom prst="snip1Rect">
+            <a:avLst>
+              <a:gd name="adj" fmla="val 26636"/>
+            </a:avLst>
+          </a:prstGeom>
+          <a:solidFill>
+            <a:schemeClr val="bg1"/>
+          </a:solidFill>
+          <a:ln w="25400"/>
+        </p:spPr>
+        <p:style>
+          <a:lnRef idx="2">
+            <a:schemeClr val="accent1">
+              <a:shade val="15000"/>
+            </a:schemeClr>
+          </a:lnRef>
+          <a:fillRef idx="1">
+            <a:schemeClr val="accent1"/>
+          </a:fillRef>
+          <a:effectRef idx="0">
+            <a:schemeClr val="accent1"/>
+          </a:effectRef>
+          <a:fontRef idx="minor">
+            <a:schemeClr val="lt1"/>
+          </a:fontRef>
+        </p:style>
+        <p:txBody>
+          <a:bodyPr rtlCol="0" anchor="ctr"/>
+          <a:lstStyle/>
+          <a:p>
+            <a:pPr algn="ctr"/>
+            <a:endParaRPr lang="en-GB" sz="2065"/>
+          </a:p>
+        </p:txBody>
+      </p:sp>
+      <p:sp>
+        <p:nvSpPr>
+          <p:cNvPr id="18" name="Isosceles Triangle 17">
+            <a:extLst>
+              <a:ext uri="{FF2B5EF4-FFF2-40B4-BE49-F238E27FC236}">
+                <a16:creationId xmlns:a16="http://schemas.microsoft.com/office/drawing/2014/main" id="{9B106585-CE2B-1A6A-66D2-A650E4D1A29C}"/>
+              </a:ext>
+            </a:extLst>
+          </p:cNvPr>
+          <p:cNvSpPr/>
+          <p:nvPr/>
+        </p:nvSpPr>
+        <p:spPr>
+          <a:xfrm rot="13500000">
+            <a:off x="6036952" y="409201"/>
+            <a:ext cx="215808" cy="106385"/>
+          </a:xfrm>
+          <a:prstGeom prst="triangle">
+            <a:avLst/>
+          </a:prstGeom>
+          <a:solidFill>
+            <a:schemeClr val="bg1"/>
+          </a:solidFill>
+          <a:ln w="25400"/>
+        </p:spPr>
+        <p:style>
+          <a:lnRef idx="2">
+            <a:schemeClr val="accent1">
+              <a:shade val="15000"/>
+            </a:schemeClr>
+          </a:lnRef>
+          <a:fillRef idx="1">
+            <a:schemeClr val="accent1"/>
+          </a:fillRef>
+          <a:effectRef idx="0">
+            <a:schemeClr val="accent1"/>
+          </a:effectRef>
+          <a:fontRef idx="minor">
+            <a:schemeClr val="lt1"/>
+          </a:fontRef>
+        </p:style>
+        <p:txBody>
+          <a:bodyPr rtlCol="0" anchor="ctr"/>
+          <a:lstStyle/>
+          <a:p>
+            <a:pPr algn="ctr"/>
+            <a:endParaRPr lang="en-GB" sz="2065"/>
+          </a:p>
+        </p:txBody>
+      </p:sp>
+      <p:sp>
+        <p:nvSpPr>
+          <p:cNvPr id="19" name="Arrow: Right 18">
+            <a:extLst>
+              <a:ext uri="{FF2B5EF4-FFF2-40B4-BE49-F238E27FC236}">
+                <a16:creationId xmlns:a16="http://schemas.microsoft.com/office/drawing/2014/main" id="{3D150144-D532-6DE1-8666-CB91898B9A31}"/>
+              </a:ext>
+            </a:extLst>
+          </p:cNvPr>
+          <p:cNvSpPr/>
+          <p:nvPr/>
+        </p:nvSpPr>
+        <p:spPr>
+          <a:xfrm>
+            <a:off x="5123701" y="1054454"/>
+            <a:ext cx="330148" cy="287322"/>
+          </a:xfrm>
+          <a:prstGeom prst="rightArrow">
+            <a:avLst/>
+          </a:prstGeom>
+          <a:solidFill>
+            <a:srgbClr val="172C51"/>
+          </a:solidFill>
+          <a:ln w="19050">
+            <a:noFill/>
+          </a:ln>
+        </p:spPr>
+        <p:style>
+          <a:lnRef idx="2">
+            <a:schemeClr val="accent1">
+              <a:shade val="15000"/>
+            </a:schemeClr>
+          </a:lnRef>
+          <a:fillRef idx="1">
+            <a:schemeClr val="accent1"/>
+          </a:fillRef>
+          <a:effectRef idx="0">
+            <a:schemeClr val="accent1"/>
+          </a:effectRef>
+          <a:fontRef idx="minor">
+            <a:schemeClr val="lt1"/>
+          </a:fontRef>
+        </p:style>
+        <p:txBody>
+          <a:bodyPr rtlCol="0" anchor="ctr"/>
+          <a:lstStyle/>
+          <a:p>
+            <a:pPr algn="ctr"/>
+            <a:endParaRPr lang="en-GB" sz="2065"/>
+          </a:p>
+        </p:txBody>
+      </p:sp>
+      <p:cxnSp>
+        <p:nvCxnSpPr>
+          <p:cNvPr id="9" name="Straight Arrow Connector 8">
+            <a:extLst>
+              <a:ext uri="{FF2B5EF4-FFF2-40B4-BE49-F238E27FC236}">
+                <a16:creationId xmlns:a16="http://schemas.microsoft.com/office/drawing/2014/main" id="{342F0BF6-9F1B-4AA2-EF4B-932DE060D820}"/>
+              </a:ext>
+            </a:extLst>
+          </p:cNvPr>
+          <p:cNvCxnSpPr>
+            <a:cxnSpLocks/>
+          </p:cNvCxnSpPr>
+          <p:nvPr/>
+        </p:nvCxnSpPr>
+        <p:spPr>
+          <a:xfrm flipV="1">
+            <a:off x="4769703" y="1595059"/>
+            <a:ext cx="0" cy="227622"/>
+          </a:xfrm>
+          <a:prstGeom prst="straightConnector1">
+            <a:avLst/>
+          </a:prstGeom>
+          <a:ln w="38100">
+            <a:solidFill>
+              <a:srgbClr val="172C51"/>
+            </a:solidFill>
+            <a:tailEnd type="none" w="lg" len="lg"/>
+          </a:ln>
+        </p:spPr>
+        <p:style>
+          <a:lnRef idx="1">
+            <a:schemeClr val="accent1"/>
+          </a:lnRef>
+          <a:fillRef idx="0">
+            <a:schemeClr val="accent1"/>
+          </a:fillRef>
+          <a:effectRef idx="0">
+            <a:schemeClr val="accent1"/>
+          </a:effectRef>
+          <a:fontRef idx="minor">
+            <a:schemeClr val="tx1"/>
+          </a:fontRef>
+        </p:style>
+      </p:cxnSp>
+      <p:cxnSp>
+        <p:nvCxnSpPr>
+          <p:cNvPr id="12" name="Straight Arrow Connector 11">
+            <a:extLst>
+              <a:ext uri="{FF2B5EF4-FFF2-40B4-BE49-F238E27FC236}">
+                <a16:creationId xmlns:a16="http://schemas.microsoft.com/office/drawing/2014/main" id="{D25BDC38-863A-936B-FC86-FB1103C9033E}"/>
+              </a:ext>
+            </a:extLst>
+          </p:cNvPr>
+          <p:cNvCxnSpPr>
+            <a:cxnSpLocks/>
+          </p:cNvCxnSpPr>
+          <p:nvPr/>
+        </p:nvCxnSpPr>
+        <p:spPr>
+          <a:xfrm flipV="1">
+            <a:off x="4764849" y="1114154"/>
+            <a:ext cx="0" cy="227622"/>
+          </a:xfrm>
+          <a:prstGeom prst="straightConnector1">
+            <a:avLst/>
+          </a:prstGeom>
+          <a:ln w="38100">
+            <a:solidFill>
+              <a:srgbClr val="172C51"/>
+            </a:solidFill>
+            <a:tailEnd type="none" w="lg" len="lg"/>
+          </a:ln>
+        </p:spPr>
+        <p:style>
+          <a:lnRef idx="1">
+            <a:schemeClr val="accent1"/>
+          </a:lnRef>
+          <a:fillRef idx="0">
+            <a:schemeClr val="accent1"/>
+          </a:fillRef>
+          <a:effectRef idx="0">
+            <a:schemeClr val="accent1"/>
+          </a:effectRef>
+          <a:fontRef idx="minor">
+            <a:schemeClr val="tx1"/>
+          </a:fontRef>
+        </p:style>
+      </p:cxnSp>
+      <p:cxnSp>
+        <p:nvCxnSpPr>
+          <p:cNvPr id="15" name="Straight Arrow Connector 14">
+            <a:extLst>
+              <a:ext uri="{FF2B5EF4-FFF2-40B4-BE49-F238E27FC236}">
+                <a16:creationId xmlns:a16="http://schemas.microsoft.com/office/drawing/2014/main" id="{07D4A1AC-604A-042D-4B42-7394C3B8BA0A}"/>
+              </a:ext>
+            </a:extLst>
+          </p:cNvPr>
+          <p:cNvCxnSpPr>
+            <a:cxnSpLocks/>
+          </p:cNvCxnSpPr>
+          <p:nvPr/>
+        </p:nvCxnSpPr>
+        <p:spPr>
+          <a:xfrm flipV="1">
+            <a:off x="4764849" y="635939"/>
+            <a:ext cx="0" cy="227622"/>
+          </a:xfrm>
+          <a:prstGeom prst="straightConnector1">
+            <a:avLst/>
+          </a:prstGeom>
+          <a:ln w="38100">
+            <a:solidFill>
+              <a:srgbClr val="172C51"/>
+            </a:solidFill>
+            <a:tailEnd type="none" w="lg" len="lg"/>
+          </a:ln>
+        </p:spPr>
+        <p:style>
+          <a:lnRef idx="1">
+            <a:schemeClr val="accent1"/>
+          </a:lnRef>
+          <a:fillRef idx="0">
+            <a:schemeClr val="accent1"/>
+          </a:fillRef>
+          <a:effectRef idx="0">
+            <a:schemeClr val="accent1"/>
+          </a:effectRef>
+          <a:fontRef idx="minor">
+            <a:schemeClr val="tx1"/>
+          </a:fontRef>
+        </p:style>
+      </p:cxnSp>
+      <p:sp>
+        <p:nvSpPr>
+          <p:cNvPr id="31" name="Rectangle: Single Corner Snipped 30">
+            <a:extLst>
+              <a:ext uri="{FF2B5EF4-FFF2-40B4-BE49-F238E27FC236}">
+                <a16:creationId xmlns:a16="http://schemas.microsoft.com/office/drawing/2014/main" id="{799A0032-8C35-A61B-C8FA-BA3EAA277B17}"/>
+              </a:ext>
+            </a:extLst>
+          </p:cNvPr>
+          <p:cNvSpPr/>
+          <p:nvPr/>
+        </p:nvSpPr>
+        <p:spPr>
+          <a:xfrm>
+            <a:off x="5701081" y="590189"/>
+            <a:ext cx="659723" cy="1023632"/>
+          </a:xfrm>
+          <a:prstGeom prst="snip1Rect">
+            <a:avLst>
+              <a:gd name="adj" fmla="val 26636"/>
+            </a:avLst>
+          </a:prstGeom>
+          <a:solidFill>
+            <a:schemeClr val="bg1"/>
+          </a:solidFill>
+          <a:ln w="25400"/>
+        </p:spPr>
+        <p:style>
+          <a:lnRef idx="2">
+            <a:schemeClr val="accent1">
+              <a:shade val="15000"/>
+            </a:schemeClr>
+          </a:lnRef>
+          <a:fillRef idx="1">
+            <a:schemeClr val="accent1"/>
+          </a:fillRef>
+          <a:effectRef idx="0">
+            <a:schemeClr val="accent1"/>
+          </a:effectRef>
+          <a:fontRef idx="minor">
+            <a:schemeClr val="lt1"/>
+          </a:fontRef>
+        </p:style>
+        <p:txBody>
+          <a:bodyPr rtlCol="0" anchor="ctr"/>
+          <a:lstStyle/>
+          <a:p>
+            <a:pPr algn="ctr"/>
+            <a:endParaRPr lang="en-GB" sz="2065"/>
+          </a:p>
+        </p:txBody>
+      </p:sp>
+      <p:sp>
+        <p:nvSpPr>
+          <p:cNvPr id="32" name="Isosceles Triangle 31">
+            <a:extLst>
+              <a:ext uri="{FF2B5EF4-FFF2-40B4-BE49-F238E27FC236}">
+                <a16:creationId xmlns:a16="http://schemas.microsoft.com/office/drawing/2014/main" id="{DD9CFD56-05EE-E84F-99BA-E80BD4926358}"/>
+              </a:ext>
+            </a:extLst>
+          </p:cNvPr>
+          <p:cNvSpPr/>
+          <p:nvPr/>
+        </p:nvSpPr>
+        <p:spPr>
+          <a:xfrm rot="13500000">
+            <a:off x="6127433" y="664792"/>
+            <a:ext cx="215808" cy="106385"/>
+          </a:xfrm>
+          <a:prstGeom prst="triangle">
+            <a:avLst/>
+          </a:prstGeom>
+          <a:solidFill>
+            <a:schemeClr val="bg1"/>
+          </a:solidFill>
+          <a:ln w="25400"/>
+        </p:spPr>
+        <p:style>
+          <a:lnRef idx="2">
+            <a:schemeClr val="accent1">
+              <a:shade val="15000"/>
+            </a:schemeClr>
+          </a:lnRef>
+          <a:fillRef idx="1">
+            <a:schemeClr val="accent1"/>
+          </a:fillRef>
+          <a:effectRef idx="0">
+            <a:schemeClr val="accent1"/>
+          </a:effectRef>
+          <a:fontRef idx="minor">
+            <a:schemeClr val="lt1"/>
+          </a:fontRef>
+        </p:style>
+        <p:txBody>
+          <a:bodyPr rtlCol="0" anchor="ctr"/>
+          <a:lstStyle/>
+          <a:p>
+            <a:pPr algn="ctr"/>
+            <a:endParaRPr lang="en-GB" sz="2065"/>
+          </a:p>
+        </p:txBody>
+      </p:sp>
+      <p:sp>
+        <p:nvSpPr>
+          <p:cNvPr id="35" name="Rectangle: Single Corner Snipped 34">
+            <a:extLst>
+              <a:ext uri="{FF2B5EF4-FFF2-40B4-BE49-F238E27FC236}">
+                <a16:creationId xmlns:a16="http://schemas.microsoft.com/office/drawing/2014/main" id="{93E9CB02-3753-CD66-0B3F-5A3ACA15F97F}"/>
+              </a:ext>
+            </a:extLst>
+          </p:cNvPr>
+          <p:cNvSpPr/>
+          <p:nvPr/>
+        </p:nvSpPr>
+        <p:spPr>
+          <a:xfrm>
+            <a:off x="5791562" y="846414"/>
+            <a:ext cx="659723" cy="1023632"/>
+          </a:xfrm>
+          <a:prstGeom prst="snip1Rect">
+            <a:avLst>
+              <a:gd name="adj" fmla="val 26636"/>
+            </a:avLst>
+          </a:prstGeom>
+          <a:solidFill>
+            <a:schemeClr val="bg1"/>
+          </a:solidFill>
+          <a:ln w="25400"/>
+        </p:spPr>
+        <p:style>
+          <a:lnRef idx="2">
+            <a:schemeClr val="accent1">
+              <a:shade val="15000"/>
+            </a:schemeClr>
+          </a:lnRef>
+          <a:fillRef idx="1">
+            <a:schemeClr val="accent1"/>
+          </a:fillRef>
+          <a:effectRef idx="0">
+            <a:schemeClr val="accent1"/>
+          </a:effectRef>
+          <a:fontRef idx="minor">
+            <a:schemeClr val="lt1"/>
+          </a:fontRef>
+        </p:style>
+        <p:txBody>
+          <a:bodyPr rtlCol="0" anchor="ctr"/>
+          <a:lstStyle/>
+          <a:p>
+            <a:pPr algn="ctr"/>
+            <a:endParaRPr lang="en-GB" sz="2065"/>
+          </a:p>
+        </p:txBody>
+      </p:sp>
+      <p:sp>
+        <p:nvSpPr>
+          <p:cNvPr id="36" name="Isosceles Triangle 35">
+            <a:extLst>
+              <a:ext uri="{FF2B5EF4-FFF2-40B4-BE49-F238E27FC236}">
+                <a16:creationId xmlns:a16="http://schemas.microsoft.com/office/drawing/2014/main" id="{98973D9C-01F1-1457-B346-FD27BAC67393}"/>
+              </a:ext>
+            </a:extLst>
+          </p:cNvPr>
+          <p:cNvSpPr/>
+          <p:nvPr/>
+        </p:nvSpPr>
+        <p:spPr>
+          <a:xfrm rot="13500000">
+            <a:off x="6217914" y="921017"/>
+            <a:ext cx="215808" cy="106385"/>
+          </a:xfrm>
+          <a:prstGeom prst="triangle">
+            <a:avLst/>
+          </a:prstGeom>
+          <a:solidFill>
+            <a:schemeClr val="bg1"/>
+          </a:solidFill>
+          <a:ln w="25400"/>
+        </p:spPr>
+        <p:style>
+          <a:lnRef idx="2">
+            <a:schemeClr val="accent1">
+              <a:shade val="15000"/>
+            </a:schemeClr>
+          </a:lnRef>
+          <a:fillRef idx="1">
+            <a:schemeClr val="accent1"/>
+          </a:fillRef>
+          <a:effectRef idx="0">
+            <a:schemeClr val="accent1"/>
+          </a:effectRef>
+          <a:fontRef idx="minor">
+            <a:schemeClr val="lt1"/>
+          </a:fontRef>
+        </p:style>
+        <p:txBody>
+          <a:bodyPr rtlCol="0" anchor="ctr"/>
+          <a:lstStyle/>
+          <a:p>
+            <a:pPr algn="ctr"/>
+            <a:endParaRPr lang="en-GB" sz="2065"/>
+          </a:p>
+        </p:txBody>
+      </p:sp>
+      <p:sp>
+        <p:nvSpPr>
+          <p:cNvPr id="39" name="Rectangle: Single Corner Snipped 38">
+            <a:extLst>
+              <a:ext uri="{FF2B5EF4-FFF2-40B4-BE49-F238E27FC236}">
+                <a16:creationId xmlns:a16="http://schemas.microsoft.com/office/drawing/2014/main" id="{99B1EEA7-8BF9-BE38-3B2F-C4D58D261093}"/>
+              </a:ext>
+            </a:extLst>
+          </p:cNvPr>
+          <p:cNvSpPr/>
+          <p:nvPr/>
+        </p:nvSpPr>
+        <p:spPr>
+          <a:xfrm>
+            <a:off x="5882043" y="1101371"/>
+            <a:ext cx="659723" cy="1023632"/>
+          </a:xfrm>
+          <a:prstGeom prst="snip1Rect">
+            <a:avLst>
+              <a:gd name="adj" fmla="val 26636"/>
+            </a:avLst>
+          </a:prstGeom>
+          <a:solidFill>
+            <a:schemeClr val="bg1"/>
+          </a:solidFill>
+          <a:ln w="25400"/>
+        </p:spPr>
+        <p:style>
+          <a:lnRef idx="2">
+            <a:schemeClr val="accent1">
+              <a:shade val="15000"/>
+            </a:schemeClr>
+          </a:lnRef>
+          <a:fillRef idx="1">
+            <a:schemeClr val="accent1"/>
+          </a:fillRef>
+          <a:effectRef idx="0">
+            <a:schemeClr val="accent1"/>
+          </a:effectRef>
+          <a:fontRef idx="minor">
+            <a:schemeClr val="lt1"/>
+          </a:fontRef>
+        </p:style>
+        <p:txBody>
+          <a:bodyPr rtlCol="0" anchor="ctr"/>
+          <a:lstStyle/>
+          <a:p>
+            <a:pPr algn="ctr"/>
+            <a:endParaRPr lang="en-GB" sz="2065"/>
+          </a:p>
+        </p:txBody>
+      </p:sp>
+      <p:sp>
+        <p:nvSpPr>
+          <p:cNvPr id="40" name="Isosceles Triangle 39">
+            <a:extLst>
+              <a:ext uri="{FF2B5EF4-FFF2-40B4-BE49-F238E27FC236}">
+                <a16:creationId xmlns:a16="http://schemas.microsoft.com/office/drawing/2014/main" id="{8F8D5C0A-B344-E4C1-CF6C-155DD9C4B5D5}"/>
+              </a:ext>
+            </a:extLst>
+          </p:cNvPr>
+          <p:cNvSpPr/>
+          <p:nvPr/>
+        </p:nvSpPr>
+        <p:spPr>
+          <a:xfrm rot="13500000">
+            <a:off x="6308395" y="1175974"/>
+            <a:ext cx="215808" cy="106385"/>
+          </a:xfrm>
+          <a:prstGeom prst="triangle">
+            <a:avLst/>
+          </a:prstGeom>
+          <a:solidFill>
+            <a:schemeClr val="bg1"/>
+          </a:solidFill>
+          <a:ln w="25400"/>
+        </p:spPr>
+        <p:style>
+          <a:lnRef idx="2">
+            <a:schemeClr val="accent1">
+              <a:shade val="15000"/>
+            </a:schemeClr>
+          </a:lnRef>
+          <a:fillRef idx="1">
+            <a:schemeClr val="accent1"/>
+          </a:fillRef>
+          <a:effectRef idx="0">
+            <a:schemeClr val="accent1"/>
+          </a:effectRef>
+          <a:fontRef idx="minor">
+            <a:schemeClr val="lt1"/>
+          </a:fontRef>
+        </p:style>
+        <p:txBody>
+          <a:bodyPr rtlCol="0" anchor="ctr"/>
+          <a:lstStyle/>
+          <a:p>
+            <a:pPr algn="ctr"/>
+            <a:endParaRPr lang="en-GB" sz="2065"/>
+          </a:p>
+        </p:txBody>
+      </p:sp>
+    </p:spTree>
+    <p:extLst>
+      <p:ext uri="{BB962C8B-B14F-4D97-AF65-F5344CB8AC3E}">
+        <p14:creationId xmlns:p14="http://schemas.microsoft.com/office/powerpoint/2010/main" val="3610585509"/>
+      </p:ext>
+    </p:extLst>
+  </p:cSld>
+  <p:clrMapOvr>
+    <a:masterClrMapping/>
+  </p:clrMapOvr>
+</p:sld>
+</file>
+
 <file path=ppt/theme/theme1.xml><?xml version="1.0" encoding="utf-8"?>
 <a:theme xmlns:a="http://schemas.openxmlformats.org/drawingml/2006/main" name="Office Theme">
   <a:themeElements>
